--- a/YHL/1404-2_嶢.pptx
+++ b/YHL/1404-2_嶢.pptx
@@ -11,8 +11,8 @@
     <p:sldId id="256" r:id="rId2"/>
     <p:sldId id="274" r:id="rId3"/>
     <p:sldId id="278" r:id="rId4"/>
-    <p:sldId id="277" r:id="rId5"/>
-    <p:sldId id="279" r:id="rId6"/>
+    <p:sldId id="279" r:id="rId5"/>
+    <p:sldId id="285" r:id="rId6"/>
     <p:sldId id="281" r:id="rId7"/>
     <p:sldId id="282" r:id="rId8"/>
     <p:sldId id="284" r:id="rId9"/>
@@ -3435,21 +3435,14 @@
           <a:p>
             <a:r>
               <a:rPr lang="en-US" altLang="zh-TW" smtClean="0"/>
-              <a:t>DLNA</a:t>
+              <a:t>WiFi-Miracast</a:t>
             </a:r>
             <a:endParaRPr lang="en-US" altLang="zh-TW"/>
           </a:p>
           <a:p>
             <a:r>
               <a:rPr lang="en-US" altLang="zh-TW" smtClean="0"/>
-              <a:t>WiFi-Miracast</a:t>
-            </a:r>
-            <a:endParaRPr lang="en-US" altLang="zh-TW"/>
-          </a:p>
-          <a:p>
-            <a:r>
-              <a:rPr lang="en-US" altLang="zh-TW" smtClean="0"/>
-              <a:t>GoogleCast</a:t>
+              <a:t>ChromeCast</a:t>
             </a:r>
             <a:endParaRPr lang="zh-TW" altLang="en-US"/>
           </a:p>
@@ -3547,6 +3540,13 @@
   <p:clrMapOvr>
     <a:masterClrMapping/>
   </p:clrMapOvr>
+  <p:timing>
+    <p:tnLst>
+      <p:par>
+        <p:cTn id="1" dur="indefinite" restart="never" nodeType="tmRoot"/>
+      </p:par>
+    </p:tnLst>
+  </p:timing>
 </p:sld>
 </file>
 
@@ -3583,31 +3583,104 @@
           <a:lstStyle/>
           <a:p>
             <a:r>
+              <a:rPr lang="en-US" altLang="zh-TW"/>
+              <a:t>WiFi-Miracast</a:t>
+            </a:r>
+          </a:p>
+        </p:txBody>
+      </p:sp>
+      <p:sp>
+        <p:nvSpPr>
+          <p:cNvPr id="3" name="內容版面配置區 2"/>
+          <p:cNvSpPr>
+            <a:spLocks noGrp="1"/>
+          </p:cNvSpPr>
+          <p:nvPr>
+            <p:ph idx="1"/>
+          </p:nvPr>
+        </p:nvSpPr>
+        <p:spPr/>
+        <p:txBody>
+          <a:bodyPr>
+            <a:normAutofit fontScale="92500" lnSpcReduction="10000"/>
+          </a:bodyPr>
+          <a:lstStyle/>
+          <a:p>
+            <a:r>
+              <a:rPr lang="en-US" altLang="zh-TW"/>
+              <a:t>Miracast is a </a:t>
+            </a:r>
+            <a:r>
+              <a:rPr lang="en-US" altLang="zh-TW">
+                <a:solidFill>
+                  <a:srgbClr val="FF0000"/>
+                </a:solidFill>
+              </a:rPr>
+              <a:t>peer-to-peer</a:t>
+            </a:r>
+            <a:r>
+              <a:rPr lang="en-US" altLang="zh-TW"/>
+              <a:t> wireless screencasting standard formed via </a:t>
+            </a:r>
+            <a:r>
+              <a:rPr lang="en-US" altLang="zh-TW">
+                <a:solidFill>
+                  <a:srgbClr val="FF0000"/>
+                </a:solidFill>
+              </a:rPr>
+              <a:t>Wi-Fi</a:t>
+            </a:r>
+            <a:r>
+              <a:rPr lang="en-US" altLang="zh-TW"/>
+              <a:t> Direct connections in a manner similar </a:t>
+            </a:r>
+            <a:r>
+              <a:rPr lang="en-US" altLang="zh-TW"/>
+              <a:t>to </a:t>
+            </a:r>
+            <a:r>
               <a:rPr lang="en-US" altLang="zh-TW" smtClean="0"/>
-              <a:t>DLNA</a:t>
-            </a:r>
-            <a:endParaRPr lang="zh-TW" altLang="en-US"/>
-          </a:p>
-        </p:txBody>
-      </p:sp>
-      <p:sp>
-        <p:nvSpPr>
-          <p:cNvPr id="3" name="內容版面配置區 2"/>
-          <p:cNvSpPr>
-            <a:spLocks noGrp="1"/>
-          </p:cNvSpPr>
-          <p:nvPr>
-            <p:ph idx="1"/>
-          </p:nvPr>
-        </p:nvSpPr>
-        <p:spPr/>
-        <p:txBody>
-          <a:bodyPr/>
-          <a:lstStyle/>
+              <a:t>Bluetooth.</a:t>
+            </a:r>
+          </a:p>
           <a:p>
             <a:r>
               <a:rPr lang="en-US" altLang="zh-TW" smtClean="0"/>
-              <a:t>Digital Living Network Alliance</a:t>
+              <a:t>Android 4.2 or later</a:t>
+            </a:r>
+          </a:p>
+          <a:p>
+            <a:r>
+              <a:rPr lang="en-US" altLang="zh-TW"/>
+              <a:t>Can't Control</a:t>
+            </a:r>
+          </a:p>
+          <a:p>
+            <a:endParaRPr lang="en-US" altLang="zh-TW"/>
+          </a:p>
+          <a:p>
+            <a:r>
+              <a:rPr lang="en-US" altLang="zh-TW" smtClean="0"/>
+              <a:t>Features</a:t>
+            </a:r>
+            <a:r>
+              <a:rPr lang="zh-TW" altLang="en-US" smtClean="0"/>
+              <a:t>：</a:t>
+            </a:r>
+            <a:endParaRPr lang="en-US" altLang="zh-TW" smtClean="0"/>
+          </a:p>
+          <a:p>
+            <a:pPr lvl="1"/>
+            <a:r>
+              <a:rPr lang="en-US" altLang="zh-TW" smtClean="0"/>
+              <a:t>Cross-platform</a:t>
+            </a:r>
+          </a:p>
+          <a:p>
+            <a:pPr lvl="1"/>
+            <a:r>
+              <a:rPr lang="en-US" altLang="zh-TW" smtClean="0"/>
+              <a:t>Video + Audio</a:t>
             </a:r>
             <a:endParaRPr lang="zh-TW" altLang="en-US"/>
           </a:p>
@@ -3695,16 +3768,105 @@
           </a:p>
         </p:txBody>
       </p:sp>
+      <p:pic>
+        <p:nvPicPr>
+          <p:cNvPr id="1026" name="Picture 2" descr="http://img.my.csdn.net/uploads/201301/06/1357478712_8403.png"/>
+          <p:cNvPicPr>
+            <a:picLocks noChangeAspect="1" noChangeArrowheads="1"/>
+          </p:cNvPicPr>
+          <p:nvPr/>
+        </p:nvPicPr>
+        <p:blipFill>
+          <a:blip r:embed="rId2">
+            <a:extLst>
+              <a:ext uri="{28A0092B-C50C-407E-A947-70E740481C1C}">
+                <a14:useLocalDpi xmlns:a14="http://schemas.microsoft.com/office/drawing/2010/main" val="0"/>
+              </a:ext>
+            </a:extLst>
+          </a:blip>
+          <a:srcRect/>
+          <a:stretch>
+            <a:fillRect/>
+          </a:stretch>
+        </p:blipFill>
+        <p:spPr bwMode="auto">
+          <a:xfrm>
+            <a:off x="4355976" y="3717032"/>
+            <a:ext cx="2381250" cy="1914525"/>
+          </a:xfrm>
+          <a:prstGeom prst="rect">
+            <a:avLst/>
+          </a:prstGeom>
+          <a:noFill/>
+          <a:extLst>
+            <a:ext uri="{909E8E84-426E-40DD-AFC4-6F175D3DCCD1}">
+              <a14:hiddenFill xmlns:a14="http://schemas.microsoft.com/office/drawing/2010/main">
+                <a:solidFill>
+                  <a:srgbClr val="FFFFFF"/>
+                </a:solidFill>
+              </a14:hiddenFill>
+            </a:ext>
+          </a:extLst>
+        </p:spPr>
+      </p:pic>
+      <p:pic>
+        <p:nvPicPr>
+          <p:cNvPr id="1028" name="Picture 4" descr="http://www.2cm.com.tw/news/images/N130426004320130426195147.jpg"/>
+          <p:cNvPicPr>
+            <a:picLocks noChangeAspect="1" noChangeArrowheads="1"/>
+          </p:cNvPicPr>
+          <p:nvPr/>
+        </p:nvPicPr>
+        <p:blipFill>
+          <a:blip r:embed="rId3">
+            <a:extLst>
+              <a:ext uri="{28A0092B-C50C-407E-A947-70E740481C1C}">
+                <a14:useLocalDpi xmlns:a14="http://schemas.microsoft.com/office/drawing/2010/main" val="0"/>
+              </a:ext>
+            </a:extLst>
+          </a:blip>
+          <a:srcRect/>
+          <a:stretch>
+            <a:fillRect/>
+          </a:stretch>
+        </p:blipFill>
+        <p:spPr bwMode="auto">
+          <a:xfrm>
+            <a:off x="7011034" y="2737429"/>
+            <a:ext cx="2132966" cy="3355867"/>
+          </a:xfrm>
+          <a:prstGeom prst="rect">
+            <a:avLst/>
+          </a:prstGeom>
+          <a:noFill/>
+          <a:extLst>
+            <a:ext uri="{909E8E84-426E-40DD-AFC4-6F175D3DCCD1}">
+              <a14:hiddenFill xmlns:a14="http://schemas.microsoft.com/office/drawing/2010/main">
+                <a:solidFill>
+                  <a:srgbClr val="FFFFFF"/>
+                </a:solidFill>
+              </a14:hiddenFill>
+            </a:ext>
+          </a:extLst>
+        </p:spPr>
+      </p:pic>
     </p:spTree>
     <p:extLst>
       <p:ext uri="{BB962C8B-B14F-4D97-AF65-F5344CB8AC3E}">
-        <p14:creationId xmlns:p14="http://schemas.microsoft.com/office/powerpoint/2010/main" val="2073740081"/>
+        <p14:creationId xmlns:p14="http://schemas.microsoft.com/office/powerpoint/2010/main" val="2738124216"/>
       </p:ext>
     </p:extLst>
   </p:cSld>
   <p:clrMapOvr>
     <a:masterClrMapping/>
   </p:clrMapOvr>
+  <p:timing>
+    <p:tnLst>
+      <p:par>
+        <p:cTn id="1" dur="indefinite" restart="never" nodeType="tmRoot"/>
+      </p:par>
+    </p:tnLst>
+  </p:timing>
 </p:sld>
 </file>
 
@@ -3741,27 +3903,49 @@
           <a:lstStyle/>
           <a:p>
             <a:r>
+              <a:rPr lang="en-US" altLang="zh-TW" smtClean="0"/>
+              <a:t>Chromecast</a:t>
+            </a:r>
+            <a:endParaRPr lang="zh-TW" altLang="en-US"/>
+          </a:p>
+        </p:txBody>
+      </p:sp>
+      <p:sp>
+        <p:nvSpPr>
+          <p:cNvPr id="3" name="內容版面配置區 2"/>
+          <p:cNvSpPr>
+            <a:spLocks noGrp="1"/>
+          </p:cNvSpPr>
+          <p:nvPr>
+            <p:ph idx="1"/>
+          </p:nvPr>
+        </p:nvSpPr>
+        <p:spPr>
+          <a:xfrm>
+            <a:off x="714400" y="1412776"/>
+            <a:ext cx="4649688" cy="4713387"/>
+          </a:xfrm>
+        </p:spPr>
+        <p:txBody>
+          <a:bodyPr/>
+          <a:lstStyle/>
+          <a:p>
+            <a:r>
+              <a:rPr lang="en-US" altLang="zh-TW" smtClean="0"/>
+              <a:t>Wi-Fi</a:t>
+            </a:r>
+          </a:p>
+          <a:p>
+            <a:r>
+              <a:rPr lang="en-US" altLang="zh-TW" smtClean="0"/>
+              <a:t>Needs a hardware device</a:t>
+            </a:r>
+          </a:p>
+          <a:p>
+            <a:r>
               <a:rPr lang="en-US" altLang="zh-TW"/>
-              <a:t>WiFi-Miracast</a:t>
-            </a:r>
-          </a:p>
-        </p:txBody>
-      </p:sp>
-      <p:sp>
-        <p:nvSpPr>
-          <p:cNvPr id="3" name="內容版面配置區 2"/>
-          <p:cNvSpPr>
-            <a:spLocks noGrp="1"/>
-          </p:cNvSpPr>
-          <p:nvPr>
-            <p:ph idx="1"/>
-          </p:nvPr>
-        </p:nvSpPr>
-        <p:spPr/>
-        <p:txBody>
-          <a:bodyPr/>
-          <a:lstStyle/>
-          <a:p>
+              <a:t>Can't Control</a:t>
+            </a:r>
             <a:endParaRPr lang="zh-TW" altLang="en-US"/>
           </a:p>
         </p:txBody>
@@ -3848,10 +4032,183 @@
           </a:p>
         </p:txBody>
       </p:sp>
+      <p:sp>
+        <p:nvSpPr>
+          <p:cNvPr id="7" name="AutoShape 2" descr="Chromecast - screenshot"/>
+          <p:cNvSpPr>
+            <a:spLocks noChangeAspect="1" noChangeArrowheads="1"/>
+          </p:cNvSpPr>
+          <p:nvPr/>
+        </p:nvSpPr>
+        <p:spPr bwMode="auto">
+          <a:xfrm>
+            <a:off x="155575" y="-144463"/>
+            <a:ext cx="304800" cy="304801"/>
+          </a:xfrm>
+          <a:prstGeom prst="rect">
+            <a:avLst/>
+          </a:prstGeom>
+          <a:noFill/>
+          <a:extLst>
+            <a:ext uri="{909E8E84-426E-40DD-AFC4-6F175D3DCCD1}">
+              <a14:hiddenFill xmlns:a14="http://schemas.microsoft.com/office/drawing/2010/main">
+                <a:solidFill>
+                  <a:srgbClr val="FFFFFF"/>
+                </a:solidFill>
+              </a14:hiddenFill>
+            </a:ext>
+          </a:extLst>
+        </p:spPr>
+        <p:txBody>
+          <a:bodyPr vert="horz" wrap="square" lIns="91440" tIns="45720" rIns="91440" bIns="45720" numCol="1" anchor="t" anchorCtr="0" compatLnSpc="1">
+            <a:prstTxWarp prst="textNoShape">
+              <a:avLst/>
+            </a:prstTxWarp>
+          </a:bodyPr>
+          <a:lstStyle/>
+          <a:p>
+            <a:endParaRPr lang="zh-TW" altLang="en-US"/>
+          </a:p>
+        </p:txBody>
+      </p:sp>
+      <p:sp>
+        <p:nvSpPr>
+          <p:cNvPr id="8" name="AutoShape 4" descr="Chromecast - screenshot"/>
+          <p:cNvSpPr>
+            <a:spLocks noChangeAspect="1" noChangeArrowheads="1"/>
+          </p:cNvSpPr>
+          <p:nvPr/>
+        </p:nvSpPr>
+        <p:spPr bwMode="auto">
+          <a:xfrm>
+            <a:off x="307975" y="7937"/>
+            <a:ext cx="304800" cy="304801"/>
+          </a:xfrm>
+          <a:prstGeom prst="rect">
+            <a:avLst/>
+          </a:prstGeom>
+          <a:noFill/>
+          <a:extLst>
+            <a:ext uri="{909E8E84-426E-40DD-AFC4-6F175D3DCCD1}">
+              <a14:hiddenFill xmlns:a14="http://schemas.microsoft.com/office/drawing/2010/main">
+                <a:solidFill>
+                  <a:srgbClr val="FFFFFF"/>
+                </a:solidFill>
+              </a14:hiddenFill>
+            </a:ext>
+          </a:extLst>
+        </p:spPr>
+        <p:txBody>
+          <a:bodyPr vert="horz" wrap="square" lIns="91440" tIns="45720" rIns="91440" bIns="45720" numCol="1" anchor="t" anchorCtr="0" compatLnSpc="1">
+            <a:prstTxWarp prst="textNoShape">
+              <a:avLst/>
+            </a:prstTxWarp>
+          </a:bodyPr>
+          <a:lstStyle/>
+          <a:p>
+            <a:endParaRPr lang="zh-TW" altLang="en-US"/>
+          </a:p>
+        </p:txBody>
+      </p:sp>
+      <p:pic>
+        <p:nvPicPr>
+          <p:cNvPr id="2053" name="Picture 5"/>
+          <p:cNvPicPr>
+            <a:picLocks noChangeAspect="1" noChangeArrowheads="1"/>
+          </p:cNvPicPr>
+          <p:nvPr/>
+        </p:nvPicPr>
+        <p:blipFill>
+          <a:blip r:embed="rId2">
+            <a:extLst>
+              <a:ext uri="{28A0092B-C50C-407E-A947-70E740481C1C}">
+                <a14:useLocalDpi xmlns:a14="http://schemas.microsoft.com/office/drawing/2010/main" val="0"/>
+              </a:ext>
+            </a:extLst>
+          </a:blip>
+          <a:srcRect/>
+          <a:stretch>
+            <a:fillRect/>
+          </a:stretch>
+        </p:blipFill>
+        <p:spPr bwMode="auto">
+          <a:xfrm>
+            <a:off x="5508104" y="1412776"/>
+            <a:ext cx="2969905" cy="4756076"/>
+          </a:xfrm>
+          <a:prstGeom prst="rect">
+            <a:avLst/>
+          </a:prstGeom>
+          <a:noFill/>
+          <a:ln>
+            <a:noFill/>
+          </a:ln>
+          <a:extLst>
+            <a:ext uri="{909E8E84-426E-40DD-AFC4-6F175D3DCCD1}">
+              <a14:hiddenFill xmlns:a14="http://schemas.microsoft.com/office/drawing/2010/main">
+                <a:solidFill>
+                  <a:schemeClr val="accent1"/>
+                </a:solidFill>
+              </a14:hiddenFill>
+            </a:ext>
+            <a:ext uri="{91240B29-F687-4F45-9708-019B960494DF}">
+              <a14:hiddenLine xmlns:a14="http://schemas.microsoft.com/office/drawing/2010/main" w="9525">
+                <a:solidFill>
+                  <a:schemeClr val="tx1"/>
+                </a:solidFill>
+                <a:miter lim="800000"/>
+                <a:headEnd/>
+                <a:tailEnd/>
+              </a14:hiddenLine>
+            </a:ext>
+          </a:extLst>
+        </p:spPr>
+      </p:pic>
+      <p:pic>
+        <p:nvPicPr>
+          <p:cNvPr id="2055" name="Picture 7" descr="googlecast_diagram"/>
+          <p:cNvPicPr>
+            <a:picLocks noChangeAspect="1" noChangeArrowheads="1"/>
+          </p:cNvPicPr>
+          <p:nvPr/>
+        </p:nvPicPr>
+        <p:blipFill>
+          <a:blip r:embed="rId3">
+            <a:extLst>
+              <a:ext uri="{28A0092B-C50C-407E-A947-70E740481C1C}">
+                <a14:useLocalDpi xmlns:a14="http://schemas.microsoft.com/office/drawing/2010/main" val="0"/>
+              </a:ext>
+            </a:extLst>
+          </a:blip>
+          <a:srcRect/>
+          <a:stretch>
+            <a:fillRect/>
+          </a:stretch>
+        </p:blipFill>
+        <p:spPr bwMode="auto">
+          <a:xfrm>
+            <a:off x="1238250" y="1561964"/>
+            <a:ext cx="6667500" cy="4457700"/>
+          </a:xfrm>
+          <a:prstGeom prst="rect">
+            <a:avLst/>
+          </a:prstGeom>
+          <a:noFill/>
+          <a:extLst>
+            <a:ext uri="{909E8E84-426E-40DD-AFC4-6F175D3DCCD1}">
+              <a14:hiddenFill xmlns:a14="http://schemas.microsoft.com/office/drawing/2010/main">
+                <a:solidFill>
+                  <a:srgbClr val="FFFFFF"/>
+                </a:solidFill>
+              </a14:hiddenFill>
+            </a:ext>
+          </a:extLst>
+        </p:spPr>
+      </p:pic>
     </p:spTree>
     <p:extLst>
       <p:ext uri="{BB962C8B-B14F-4D97-AF65-F5344CB8AC3E}">
-        <p14:creationId xmlns:p14="http://schemas.microsoft.com/office/powerpoint/2010/main" val="2738124216"/>
+        <p14:creationId xmlns:p14="http://schemas.microsoft.com/office/powerpoint/2010/main" val="605161548"/>
       </p:ext>
     </p:extLst>
   </p:cSld>
@@ -3861,7 +4218,83 @@
   <p:timing>
     <p:tnLst>
       <p:par>
-        <p:cTn id="1" dur="indefinite" restart="never" nodeType="tmRoot"/>
+        <p:cTn id="1" dur="indefinite" restart="never" nodeType="tmRoot">
+          <p:childTnLst>
+            <p:seq concurrent="1" nextAc="seek">
+              <p:cTn id="2" dur="indefinite" nodeType="mainSeq">
+                <p:childTnLst>
+                  <p:par>
+                    <p:cTn id="3" fill="hold">
+                      <p:stCondLst>
+                        <p:cond delay="indefinite"/>
+                      </p:stCondLst>
+                      <p:childTnLst>
+                        <p:par>
+                          <p:cTn id="4" fill="hold">
+                            <p:stCondLst>
+                              <p:cond delay="0"/>
+                            </p:stCondLst>
+                            <p:childTnLst>
+                              <p:par>
+                                <p:cTn id="5" presetID="10" presetClass="entr" presetSubtype="0" fill="hold" nodeType="clickEffect">
+                                  <p:stCondLst>
+                                    <p:cond delay="0"/>
+                                  </p:stCondLst>
+                                  <p:childTnLst>
+                                    <p:set>
+                                      <p:cBhvr>
+                                        <p:cTn id="6" dur="1" fill="hold">
+                                          <p:stCondLst>
+                                            <p:cond delay="0"/>
+                                          </p:stCondLst>
+                                        </p:cTn>
+                                        <p:tgtEl>
+                                          <p:spTgt spid="2055"/>
+                                        </p:tgtEl>
+                                        <p:attrNameLst>
+                                          <p:attrName>style.visibility</p:attrName>
+                                        </p:attrNameLst>
+                                      </p:cBhvr>
+                                      <p:to>
+                                        <p:strVal val="visible"/>
+                                      </p:to>
+                                    </p:set>
+                                    <p:animEffect transition="in" filter="fade">
+                                      <p:cBhvr>
+                                        <p:cTn id="7" dur="500"/>
+                                        <p:tgtEl>
+                                          <p:spTgt spid="2055"/>
+                                        </p:tgtEl>
+                                      </p:cBhvr>
+                                    </p:animEffect>
+                                  </p:childTnLst>
+                                </p:cTn>
+                              </p:par>
+                            </p:childTnLst>
+                          </p:cTn>
+                        </p:par>
+                      </p:childTnLst>
+                    </p:cTn>
+                  </p:par>
+                </p:childTnLst>
+              </p:cTn>
+              <p:prevCondLst>
+                <p:cond evt="onPrev" delay="0">
+                  <p:tgtEl>
+                    <p:sldTgt/>
+                  </p:tgtEl>
+                </p:cond>
+              </p:prevCondLst>
+              <p:nextCondLst>
+                <p:cond evt="onNext" delay="0">
+                  <p:tgtEl>
+                    <p:sldTgt/>
+                  </p:tgtEl>
+                </p:cond>
+              </p:nextCondLst>
+            </p:seq>
+          </p:childTnLst>
+        </p:cTn>
       </p:par>
     </p:tnLst>
   </p:timing>
@@ -4398,7 +4831,10 @@
           </a:p>
           <a:p>
             <a:pPr lvl="1"/>
-            <a:endParaRPr lang="en-US" altLang="zh-TW" smtClean="0"/>
+            <a:r>
+              <a:rPr lang="en-US" altLang="zh-TW" smtClean="0"/>
+              <a:t>Through network speed to change fps</a:t>
+            </a:r>
           </a:p>
         </p:txBody>
       </p:sp>
@@ -4536,6 +4972,10 @@
           <a:bodyPr/>
           <a:lstStyle/>
           <a:p>
+            <a:r>
+              <a:rPr lang="en-US" altLang="zh-TW" smtClean="0"/>
+              <a:t>VNC DEMO</a:t>
+            </a:r>
             <a:endParaRPr lang="zh-TW" altLang="en-US"/>
           </a:p>
         </p:txBody>
@@ -4554,6 +4994,27 @@
         <p:txBody>
           <a:bodyPr/>
           <a:lstStyle/>
+          <a:p>
+            <a:r>
+              <a:rPr lang="en-US" altLang="zh-TW">
+                <a:hlinkClick r:id="rId2"/>
+              </a:rPr>
+              <a:t>http</a:t>
+            </a:r>
+            <a:r>
+              <a:rPr lang="en-US" altLang="zh-TW">
+                <a:hlinkClick r:id="rId2"/>
+              </a:rPr>
+              <a:t>://</a:t>
+            </a:r>
+            <a:r>
+              <a:rPr lang="en-US" altLang="zh-TW" smtClean="0">
+                <a:hlinkClick r:id="rId2"/>
+              </a:rPr>
+              <a:t>youtu.be/BwHkg1rOEWM</a:t>
+            </a:r>
+            <a:endParaRPr lang="en-US" altLang="zh-TW" smtClean="0"/>
+          </a:p>
           <a:p>
             <a:endParaRPr lang="zh-TW" altLang="en-US"/>
           </a:p>
@@ -4641,60 +5102,191 @@
           </a:p>
         </p:txBody>
       </p:sp>
-      <p:pic>
-        <p:nvPicPr>
-          <p:cNvPr id="1026" name="Picture 2"/>
-          <p:cNvPicPr>
-            <a:picLocks noChangeAspect="1" noChangeArrowheads="1"/>
-          </p:cNvPicPr>
+      <p:grpSp>
+        <p:nvGrpSpPr>
+          <p:cNvPr id="15" name="群組 14"/>
+          <p:cNvGrpSpPr/>
           <p:nvPr/>
-        </p:nvPicPr>
-        <p:blipFill>
-          <a:blip r:embed="rId2">
+        </p:nvGrpSpPr>
+        <p:grpSpPr>
+          <a:xfrm>
+            <a:off x="414474" y="2348880"/>
+            <a:ext cx="8313466" cy="2880320"/>
+            <a:chOff x="414474" y="1988840"/>
+            <a:chExt cx="8313466" cy="2880320"/>
+          </a:xfrm>
+        </p:grpSpPr>
+        <p:pic>
+          <p:nvPicPr>
+            <p:cNvPr id="1026" name="Picture 2"/>
+            <p:cNvPicPr>
+              <a:picLocks noChangeAspect="1" noChangeArrowheads="1"/>
+            </p:cNvPicPr>
+            <p:nvPr/>
+          </p:nvPicPr>
+          <p:blipFill>
+            <a:blip r:embed="rId3">
+              <a:extLst>
+                <a:ext uri="{28A0092B-C50C-407E-A947-70E740481C1C}">
+                  <a14:useLocalDpi xmlns:a14="http://schemas.microsoft.com/office/drawing/2010/main" val="0"/>
+                </a:ext>
+              </a:extLst>
+            </a:blip>
+            <a:srcRect/>
+            <a:stretch>
+              <a:fillRect/>
+            </a:stretch>
+          </p:blipFill>
+          <p:spPr bwMode="auto">
+            <a:xfrm>
+              <a:off x="414474" y="1988840"/>
+              <a:ext cx="8313466" cy="2880320"/>
+            </a:xfrm>
+            <a:prstGeom prst="rect">
+              <a:avLst/>
+            </a:prstGeom>
+            <a:noFill/>
+            <a:ln>
+              <a:noFill/>
+            </a:ln>
             <a:extLst>
-              <a:ext uri="{28A0092B-C50C-407E-A947-70E740481C1C}">
-                <a14:useLocalDpi xmlns:a14="http://schemas.microsoft.com/office/drawing/2010/main" val="0"/>
+              <a:ext uri="{909E8E84-426E-40DD-AFC4-6F175D3DCCD1}">
+                <a14:hiddenFill xmlns:a14="http://schemas.microsoft.com/office/drawing/2010/main">
+                  <a:solidFill>
+                    <a:schemeClr val="accent1"/>
+                  </a:solidFill>
+                </a14:hiddenFill>
+              </a:ext>
+              <a:ext uri="{91240B29-F687-4F45-9708-019B960494DF}">
+                <a14:hiddenLine xmlns:a14="http://schemas.microsoft.com/office/drawing/2010/main" w="9525">
+                  <a:solidFill>
+                    <a:schemeClr val="tx1"/>
+                  </a:solidFill>
+                  <a:miter lim="800000"/>
+                  <a:headEnd/>
+                  <a:tailEnd/>
+                </a14:hiddenLine>
               </a:ext>
             </a:extLst>
-          </a:blip>
-          <a:srcRect/>
-          <a:stretch>
-            <a:fillRect/>
-          </a:stretch>
-        </p:blipFill>
-        <p:spPr bwMode="auto">
-          <a:xfrm>
-            <a:off x="414474" y="1988840"/>
-            <a:ext cx="8313466" cy="2880320"/>
-          </a:xfrm>
-          <a:prstGeom prst="rect">
-            <a:avLst/>
-          </a:prstGeom>
-          <a:noFill/>
-          <a:ln>
+          </p:spPr>
+        </p:pic>
+        <p:sp>
+          <p:nvSpPr>
+            <p:cNvPr id="7" name="橢圓 6"/>
+            <p:cNvSpPr/>
+            <p:nvPr/>
+          </p:nvSpPr>
+          <p:spPr>
+            <a:xfrm>
+              <a:off x="3491880" y="2564904"/>
+              <a:ext cx="2232248" cy="288032"/>
+            </a:xfrm>
+            <a:prstGeom prst="ellipse">
+              <a:avLst/>
+            </a:prstGeom>
             <a:noFill/>
-          </a:ln>
-          <a:extLst>
-            <a:ext uri="{909E8E84-426E-40DD-AFC4-6F175D3DCCD1}">
-              <a14:hiddenFill xmlns:a14="http://schemas.microsoft.com/office/drawing/2010/main">
-                <a:solidFill>
-                  <a:schemeClr val="accent1"/>
-                </a:solidFill>
-              </a14:hiddenFill>
-            </a:ext>
-            <a:ext uri="{91240B29-F687-4F45-9708-019B960494DF}">
-              <a14:hiddenLine xmlns:a14="http://schemas.microsoft.com/office/drawing/2010/main" w="9525">
-                <a:solidFill>
-                  <a:schemeClr val="tx1"/>
-                </a:solidFill>
-                <a:miter lim="800000"/>
-                <a:headEnd/>
-                <a:tailEnd/>
-              </a14:hiddenLine>
-            </a:ext>
-          </a:extLst>
-        </p:spPr>
-      </p:pic>
+            <a:ln w="38100">
+              <a:solidFill>
+                <a:srgbClr val="FFFF00"/>
+              </a:solidFill>
+            </a:ln>
+          </p:spPr>
+          <p:style>
+            <a:lnRef idx="2">
+              <a:schemeClr val="accent1">
+                <a:shade val="50000"/>
+              </a:schemeClr>
+            </a:lnRef>
+            <a:fillRef idx="1">
+              <a:schemeClr val="accent1"/>
+            </a:fillRef>
+            <a:effectRef idx="0">
+              <a:schemeClr val="accent1"/>
+            </a:effectRef>
+            <a:fontRef idx="minor">
+              <a:schemeClr val="lt1"/>
+            </a:fontRef>
+          </p:style>
+          <p:txBody>
+            <a:bodyPr rtlCol="0" anchor="ctr"/>
+            <a:lstStyle/>
+            <a:p>
+              <a:pPr algn="ctr"/>
+              <a:endParaRPr lang="zh-TW" altLang="en-US"/>
+            </a:p>
+          </p:txBody>
+        </p:sp>
+        <p:cxnSp>
+          <p:nvCxnSpPr>
+            <p:cNvPr id="14" name="直線接點 13"/>
+            <p:cNvCxnSpPr/>
+            <p:nvPr/>
+          </p:nvCxnSpPr>
+          <p:spPr>
+            <a:xfrm>
+              <a:off x="3203848" y="3212976"/>
+              <a:ext cx="1944216" cy="0"/>
+            </a:xfrm>
+            <a:prstGeom prst="line">
+              <a:avLst/>
+            </a:prstGeom>
+            <a:ln w="38100">
+              <a:solidFill>
+                <a:srgbClr val="FFFF00"/>
+              </a:solidFill>
+            </a:ln>
+          </p:spPr>
+          <p:style>
+            <a:lnRef idx="1">
+              <a:schemeClr val="accent1"/>
+            </a:lnRef>
+            <a:fillRef idx="0">
+              <a:schemeClr val="accent1"/>
+            </a:fillRef>
+            <a:effectRef idx="0">
+              <a:schemeClr val="accent1"/>
+            </a:effectRef>
+            <a:fontRef idx="minor">
+              <a:schemeClr val="tx1"/>
+            </a:fontRef>
+          </p:style>
+        </p:cxnSp>
+        <p:cxnSp>
+          <p:nvCxnSpPr>
+            <p:cNvPr id="16" name="直線接點 15"/>
+            <p:cNvCxnSpPr/>
+            <p:nvPr/>
+          </p:nvCxnSpPr>
+          <p:spPr>
+            <a:xfrm>
+              <a:off x="2927031" y="3429000"/>
+              <a:ext cx="1944216" cy="0"/>
+            </a:xfrm>
+            <a:prstGeom prst="line">
+              <a:avLst/>
+            </a:prstGeom>
+            <a:ln w="38100">
+              <a:solidFill>
+                <a:srgbClr val="FFFF00"/>
+              </a:solidFill>
+            </a:ln>
+          </p:spPr>
+          <p:style>
+            <a:lnRef idx="1">
+              <a:schemeClr val="accent1"/>
+            </a:lnRef>
+            <a:fillRef idx="0">
+              <a:schemeClr val="accent1"/>
+            </a:fillRef>
+            <a:effectRef idx="0">
+              <a:schemeClr val="accent1"/>
+            </a:effectRef>
+            <a:fontRef idx="minor">
+              <a:schemeClr val="tx1"/>
+            </a:fontRef>
+          </p:style>
+        </p:cxnSp>
+      </p:grpSp>
     </p:spTree>
     <p:extLst>
       <p:ext uri="{BB962C8B-B14F-4D97-AF65-F5344CB8AC3E}">
@@ -4705,6 +5297,13 @@
   <p:clrMapOvr>
     <a:masterClrMapping/>
   </p:clrMapOvr>
+  <p:timing>
+    <p:tnLst>
+      <p:par>
+        <p:cTn id="1" dur="indefinite" restart="never" nodeType="tmRoot"/>
+      </p:par>
+    </p:tnLst>
+  </p:timing>
 </p:sld>
 </file>
 

--- a/YHL/1404-2_嶢.pptx
+++ b/YHL/1404-2_嶢.pptx
@@ -202,7 +202,7 @@
             <a:fld id="{F41C739A-D29D-4CDF-8A25-2475865E8D40}" type="datetimeFigureOut">
               <a:rPr lang="zh-TW" altLang="en-US" smtClean="0"/>
               <a:pPr/>
-              <a:t>2014/4/3</a:t>
+              <a:t>2014/4/4</a:t>
             </a:fld>
             <a:endParaRPr lang="zh-TW" altLang="en-US"/>
           </a:p>
@@ -672,7 +672,7 @@
           <a:p>
             <a:fld id="{92F7D03D-0C02-460C-8828-E51E607B6361}" type="datetime1">
               <a:rPr lang="zh-TW" altLang="en-US" smtClean="0"/>
-              <a:t>2014/4/3</a:t>
+              <a:t>2014/4/4</a:t>
             </a:fld>
             <a:endParaRPr lang="zh-TW" altLang="en-US"/>
           </a:p>
@@ -962,7 +962,7 @@
           <a:p>
             <a:fld id="{12396D94-CD9C-46CF-BAAC-8E4F0E1A7573}" type="datetime1">
               <a:rPr lang="zh-TW" altLang="en-US" smtClean="0"/>
-              <a:t>2014/4/3</a:t>
+              <a:t>2014/4/4</a:t>
             </a:fld>
             <a:endParaRPr lang="zh-TW" altLang="en-US"/>
           </a:p>
@@ -1118,7 +1118,7 @@
           <a:p>
             <a:fld id="{DBAA8407-225A-4FA5-B31C-1ABCB50A2F00}" type="datetime1">
               <a:rPr lang="zh-TW" altLang="en-US" smtClean="0"/>
-              <a:t>2014/4/3</a:t>
+              <a:t>2014/4/4</a:t>
             </a:fld>
             <a:endParaRPr lang="zh-TW" altLang="en-US" dirty="0"/>
           </a:p>
@@ -1469,7 +1469,7 @@
           <a:p>
             <a:fld id="{12396D94-CD9C-46CF-BAAC-8E4F0E1A7573}" type="datetime1">
               <a:rPr lang="zh-TW" altLang="en-US" smtClean="0"/>
-              <a:t>2014/4/3</a:t>
+              <a:t>2014/4/4</a:t>
             </a:fld>
             <a:endParaRPr lang="zh-TW" altLang="en-US"/>
           </a:p>
@@ -1669,7 +1669,7 @@
           <a:p>
             <a:fld id="{7995079E-D560-4F21-BFB9-AE8B1A31EE03}" type="datetime1">
               <a:rPr lang="zh-TW" altLang="en-US" smtClean="0"/>
-              <a:t>2014/4/3</a:t>
+              <a:t>2014/4/4</a:t>
             </a:fld>
             <a:endParaRPr lang="zh-TW" altLang="en-US"/>
           </a:p>
@@ -1909,7 +1909,7 @@
           <a:p>
             <a:fld id="{DBAA8407-225A-4FA5-B31C-1ABCB50A2F00}" type="datetime1">
               <a:rPr lang="zh-TW" altLang="en-US" smtClean="0"/>
-              <a:t>2014/4/3</a:t>
+              <a:t>2014/4/4</a:t>
             </a:fld>
             <a:endParaRPr lang="zh-TW" altLang="en-US" dirty="0"/>
           </a:p>
@@ -2600,7 +2600,7 @@
                 <a:latin typeface="標楷體" pitchFamily="65" charset="-120"/>
                 <a:ea typeface="標楷體" pitchFamily="65" charset="-120"/>
               </a:rPr>
-              <a:t>03</a:t>
+              <a:t>04</a:t>
             </a:r>
             <a:r>
               <a:rPr lang="zh-TW" altLang="en-US" sz="2800" b="1" smtClean="0">
@@ -2626,8 +2626,18 @@
                 <a:latin typeface="標楷體" pitchFamily="65" charset="-120"/>
                 <a:ea typeface="標楷體" pitchFamily="65" charset="-120"/>
               </a:rPr>
-              <a:t>21</a:t>
-            </a:r>
+              <a:t>04</a:t>
+            </a:r>
+            <a:endParaRPr lang="en-US" altLang="zh-TW" sz="2800" b="1" smtClean="0">
+              <a:solidFill>
+                <a:schemeClr val="tx1">
+                  <a:lumMod val="65000"/>
+                  <a:lumOff val="35000"/>
+                </a:schemeClr>
+              </a:solidFill>
+              <a:latin typeface="標楷體" pitchFamily="65" charset="-120"/>
+              <a:ea typeface="標楷體" pitchFamily="65" charset="-120"/>
+            </a:endParaRPr>
           </a:p>
           <a:p>
             <a:r>
@@ -2673,7 +2683,7 @@
           <a:p>
             <a:fld id="{FD42D639-57B5-479A-BCD7-5A399F9A6E0E}" type="datetime1">
               <a:rPr lang="zh-TW" altLang="en-US" smtClean="0"/>
-              <a:t>2014/4/3</a:t>
+              <a:t>2014/4/4</a:t>
             </a:fld>
             <a:endParaRPr lang="zh-TW" altLang="en-US" dirty="0"/>
           </a:p>
@@ -2850,7 +2860,7 @@
           <a:p>
             <a:fld id="{7995079E-D560-4F21-BFB9-AE8B1A31EE03}" type="datetime1">
               <a:rPr lang="zh-TW" altLang="en-US" smtClean="0"/>
-              <a:t>2014/4/3</a:t>
+              <a:t>2014/4/4</a:t>
             </a:fld>
             <a:endParaRPr lang="zh-TW" altLang="en-US"/>
           </a:p>
@@ -3350,7 +3360,7 @@
           <a:p>
             <a:fld id="{12396D94-CD9C-46CF-BAAC-8E4F0E1A7573}" type="datetime1">
               <a:rPr lang="zh-TW" altLang="en-US" smtClean="0"/>
-              <a:t>2014/4/3</a:t>
+              <a:t>2014/4/4</a:t>
             </a:fld>
             <a:endParaRPr lang="zh-TW" altLang="en-US"/>
           </a:p>
@@ -3465,7 +3475,7 @@
           <a:p>
             <a:fld id="{12396D94-CD9C-46CF-BAAC-8E4F0E1A7573}" type="datetime1">
               <a:rPr lang="zh-TW" altLang="en-US" smtClean="0"/>
-              <a:t>2014/4/3</a:t>
+              <a:t>2014/4/4</a:t>
             </a:fld>
             <a:endParaRPr lang="zh-TW" altLang="en-US"/>
           </a:p>
@@ -3632,11 +3642,7 @@
             </a:r>
             <a:r>
               <a:rPr lang="en-US" altLang="zh-TW"/>
-              <a:t> Direct connections in a manner similar </a:t>
-            </a:r>
-            <a:r>
-              <a:rPr lang="en-US" altLang="zh-TW"/>
-              <a:t>to </a:t>
+              <a:t> Direct connections in a manner similar to </a:t>
             </a:r>
             <a:r>
               <a:rPr lang="en-US" altLang="zh-TW" smtClean="0"/>
@@ -3645,13 +3651,21 @@
           </a:p>
           <a:p>
             <a:r>
-              <a:rPr lang="en-US" altLang="zh-TW" smtClean="0"/>
+              <a:rPr lang="en-US" altLang="zh-TW" smtClean="0">
+                <a:solidFill>
+                  <a:srgbClr val="FF0000"/>
+                </a:solidFill>
+              </a:rPr>
               <a:t>Android 4.2 or later</a:t>
             </a:r>
           </a:p>
           <a:p>
             <a:r>
-              <a:rPr lang="en-US" altLang="zh-TW"/>
+              <a:rPr lang="en-US" altLang="zh-TW">
+                <a:solidFill>
+                  <a:srgbClr val="FF0000"/>
+                </a:solidFill>
+              </a:rPr>
               <a:t>Can't Control</a:t>
             </a:r>
           </a:p>
@@ -3762,7 +3776,7 @@
           <a:p>
             <a:fld id="{12396D94-CD9C-46CF-BAAC-8E4F0E1A7573}" type="datetime1">
               <a:rPr lang="zh-TW" altLang="en-US" smtClean="0"/>
-              <a:t>2014/4/3</a:t>
+              <a:t>2014/4/4</a:t>
             </a:fld>
             <a:endParaRPr lang="zh-TW" altLang="en-US"/>
           </a:p>
@@ -4026,7 +4040,7 @@
           <a:p>
             <a:fld id="{12396D94-CD9C-46CF-BAAC-8E4F0E1A7573}" type="datetime1">
               <a:rPr lang="zh-TW" altLang="en-US" smtClean="0"/>
-              <a:t>2014/4/3</a:t>
+              <a:t>2014/4/4</a:t>
             </a:fld>
             <a:endParaRPr lang="zh-TW" altLang="en-US"/>
           </a:p>
@@ -4393,7 +4407,7 @@
           <a:p>
             <a:fld id="{12396D94-CD9C-46CF-BAAC-8E4F0E1A7573}" type="datetime1">
               <a:rPr lang="zh-TW" altLang="en-US" smtClean="0"/>
-              <a:t>2014/4/3</a:t>
+              <a:t>2014/4/4</a:t>
             </a:fld>
             <a:endParaRPr lang="zh-TW" altLang="en-US"/>
           </a:p>
@@ -4674,7 +4688,7 @@
           <a:p>
             <a:fld id="{12396D94-CD9C-46CF-BAAC-8E4F0E1A7573}" type="datetime1">
               <a:rPr lang="zh-TW" altLang="en-US" smtClean="0"/>
-              <a:t>2014/4/3</a:t>
+              <a:t>2014/4/4</a:t>
             </a:fld>
             <a:endParaRPr lang="zh-TW" altLang="en-US"/>
           </a:p>
@@ -4818,11 +4832,7 @@
             </a:r>
             <a:r>
               <a:rPr lang="en-US" altLang="zh-TW"/>
-              <a:t>Server </a:t>
-            </a:r>
-            <a:r>
-              <a:rPr lang="en-US" altLang="zh-TW"/>
-              <a:t>not </a:t>
+              <a:t>Server not </a:t>
             </a:r>
             <a:r>
               <a:rPr lang="en-US" altLang="zh-TW" smtClean="0"/>
@@ -4914,7 +4924,7 @@
           <a:p>
             <a:fld id="{12396D94-CD9C-46CF-BAAC-8E4F0E1A7573}" type="datetime1">
               <a:rPr lang="zh-TW" altLang="en-US" smtClean="0"/>
-              <a:t>2014/4/3</a:t>
+              <a:t>2014/4/4</a:t>
             </a:fld>
             <a:endParaRPr lang="zh-TW" altLang="en-US"/>
           </a:p>
@@ -4999,13 +5009,7 @@
               <a:rPr lang="en-US" altLang="zh-TW">
                 <a:hlinkClick r:id="rId2"/>
               </a:rPr>
-              <a:t>http</a:t>
-            </a:r>
-            <a:r>
-              <a:rPr lang="en-US" altLang="zh-TW">
-                <a:hlinkClick r:id="rId2"/>
-              </a:rPr>
-              <a:t>://</a:t>
+              <a:t>http://</a:t>
             </a:r>
             <a:r>
               <a:rPr lang="en-US" altLang="zh-TW" smtClean="0">
@@ -5096,7 +5100,7 @@
           <a:p>
             <a:fld id="{12396D94-CD9C-46CF-BAAC-8E4F0E1A7573}" type="datetime1">
               <a:rPr lang="zh-TW" altLang="en-US" smtClean="0"/>
-              <a:t>2014/4/3</a:t>
+              <a:t>2014/4/4</a:t>
             </a:fld>
             <a:endParaRPr lang="zh-TW" altLang="en-US"/>
           </a:p>
